--- a/docs/DataTrieste2025/CI/SoRDS-Trieste-2025-CI-Intro.pptx
+++ b/docs/DataTrieste2025/CI/SoRDS-Trieste-2025-CI-Intro.pptx
@@ -16756,7 +16756,7 @@
         <p:spPr>
           <a:xfrm>
             <a:off x="334963" y="1333500"/>
-            <a:ext cx="8580437" cy="2882900"/>
+            <a:ext cx="8580437" cy="4592638"/>
           </a:xfrm>
         </p:spPr>
         <p:txBody>
@@ -16791,11 +16791,26 @@
               <a:rPr lang="en-US" altLang="en-US" dirty="0">
                 <a:hlinkClick r:id="rId2"/>
               </a:rPr>
-              <a:t>https://github.com/access-ci-org/Operations-STEP-2025/tree/main/CI</a:t>
+              <a:t>https://github.com/CODATA-RDA-DataScienceSchools/Materials/blob/master/docs/DataTrieste2025/CI/SoRDS-Trieste-2025-CI-Intro.pptx</a:t>
             </a:r>
             <a:r>
               <a:rPr lang="en-US" altLang="en-US" dirty="0"/>
               <a:t> </a:t>
+            </a:r>
+          </a:p>
+          <a:p>
+            <a:pPr lvl="1">
+              <a:buNone/>
+            </a:pPr>
+            <a:endParaRPr lang="en-US" altLang="en-US" dirty="0"/>
+          </a:p>
+          <a:p>
+            <a:pPr lvl="1">
+              <a:buNone/>
+            </a:pPr>
+            <a:r>
+              <a:rPr lang="en-US" altLang="en-US" dirty="0"/>
+              <a:t>Or </a:t>
             </a:r>
           </a:p>
         </p:txBody>
